--- a/apps/web/public/logo/jobScrolled - Logo designs.pptx
+++ b/apps/web/public/logo/jobScrolled - Logo designs.pptx
@@ -276,7 +276,7 @@
           <a:p>
             <a:fld id="{8ED379CA-F570-494A-8662-E85D72170BD8}" type="datetimeFigureOut">
               <a:rPr lang="en-US" smtClean="0"/>
-              <a:t>2/13/2026</a:t>
+              <a:t>2/15/2026</a:t>
             </a:fld>
             <a:endParaRPr lang="en-US"/>
           </a:p>
@@ -474,7 +474,7 @@
           <a:p>
             <a:fld id="{8ED379CA-F570-494A-8662-E85D72170BD8}" type="datetimeFigureOut">
               <a:rPr lang="en-US" smtClean="0"/>
-              <a:t>2/13/2026</a:t>
+              <a:t>2/15/2026</a:t>
             </a:fld>
             <a:endParaRPr lang="en-US"/>
           </a:p>
@@ -682,7 +682,7 @@
           <a:p>
             <a:fld id="{8ED379CA-F570-494A-8662-E85D72170BD8}" type="datetimeFigureOut">
               <a:rPr lang="en-US" smtClean="0"/>
-              <a:t>2/13/2026</a:t>
+              <a:t>2/15/2026</a:t>
             </a:fld>
             <a:endParaRPr lang="en-US"/>
           </a:p>
@@ -880,7 +880,7 @@
           <a:p>
             <a:fld id="{8ED379CA-F570-494A-8662-E85D72170BD8}" type="datetimeFigureOut">
               <a:rPr lang="en-US" smtClean="0"/>
-              <a:t>2/13/2026</a:t>
+              <a:t>2/15/2026</a:t>
             </a:fld>
             <a:endParaRPr lang="en-US"/>
           </a:p>
@@ -1155,7 +1155,7 @@
           <a:p>
             <a:fld id="{8ED379CA-F570-494A-8662-E85D72170BD8}" type="datetimeFigureOut">
               <a:rPr lang="en-US" smtClean="0"/>
-              <a:t>2/13/2026</a:t>
+              <a:t>2/15/2026</a:t>
             </a:fld>
             <a:endParaRPr lang="en-US"/>
           </a:p>
@@ -1420,7 +1420,7 @@
           <a:p>
             <a:fld id="{8ED379CA-F570-494A-8662-E85D72170BD8}" type="datetimeFigureOut">
               <a:rPr lang="en-US" smtClean="0"/>
-              <a:t>2/13/2026</a:t>
+              <a:t>2/15/2026</a:t>
             </a:fld>
             <a:endParaRPr lang="en-US"/>
           </a:p>
@@ -1832,7 +1832,7 @@
           <a:p>
             <a:fld id="{8ED379CA-F570-494A-8662-E85D72170BD8}" type="datetimeFigureOut">
               <a:rPr lang="en-US" smtClean="0"/>
-              <a:t>2/13/2026</a:t>
+              <a:t>2/15/2026</a:t>
             </a:fld>
             <a:endParaRPr lang="en-US"/>
           </a:p>
@@ -1973,7 +1973,7 @@
           <a:p>
             <a:fld id="{8ED379CA-F570-494A-8662-E85D72170BD8}" type="datetimeFigureOut">
               <a:rPr lang="en-US" smtClean="0"/>
-              <a:t>2/13/2026</a:t>
+              <a:t>2/15/2026</a:t>
             </a:fld>
             <a:endParaRPr lang="en-US"/>
           </a:p>
@@ -2086,7 +2086,7 @@
           <a:p>
             <a:fld id="{8ED379CA-F570-494A-8662-E85D72170BD8}" type="datetimeFigureOut">
               <a:rPr lang="en-US" smtClean="0"/>
-              <a:t>2/13/2026</a:t>
+              <a:t>2/15/2026</a:t>
             </a:fld>
             <a:endParaRPr lang="en-US"/>
           </a:p>
@@ -2397,7 +2397,7 @@
           <a:p>
             <a:fld id="{8ED379CA-F570-494A-8662-E85D72170BD8}" type="datetimeFigureOut">
               <a:rPr lang="en-US" smtClean="0"/>
-              <a:t>2/13/2026</a:t>
+              <a:t>2/15/2026</a:t>
             </a:fld>
             <a:endParaRPr lang="en-US"/>
           </a:p>
@@ -2685,7 +2685,7 @@
           <a:p>
             <a:fld id="{8ED379CA-F570-494A-8662-E85D72170BD8}" type="datetimeFigureOut">
               <a:rPr lang="en-US" smtClean="0"/>
-              <a:t>2/13/2026</a:t>
+              <a:t>2/15/2026</a:t>
             </a:fld>
             <a:endParaRPr lang="en-US"/>
           </a:p>
@@ -2931,7 +2931,7 @@
           <a:p>
             <a:fld id="{8ED379CA-F570-494A-8662-E85D72170BD8}" type="datetimeFigureOut">
               <a:rPr lang="en-US" smtClean="0"/>
-              <a:t>2/13/2026</a:t>
+              <a:t>2/15/2026</a:t>
             </a:fld>
             <a:endParaRPr lang="en-US"/>
           </a:p>
@@ -7485,6 +7485,9 @@
             <a:chOff x="3603136" y="833678"/>
             <a:chExt cx="4983480" cy="4983480"/>
           </a:xfrm>
+          <a:solidFill>
+            <a:srgbClr val="A7A3D3"/>
+          </a:solidFill>
         </p:grpSpPr>
         <p:sp>
           <p:nvSpPr>
@@ -7508,9 +7511,7 @@
                 <a:gd name="adj" fmla="val 50000"/>
               </a:avLst>
             </a:prstGeom>
-            <a:solidFill>
-              <a:schemeClr val="bg1"/>
-            </a:solidFill>
+            <a:grpFill/>
             <a:ln>
               <a:noFill/>
             </a:ln>
@@ -7559,6 +7560,7 @@
               <a:chOff x="3605429" y="1780416"/>
               <a:chExt cx="4119926" cy="3297168"/>
             </a:xfrm>
+            <a:grpFill/>
           </p:grpSpPr>
           <p:sp>
             <p:nvSpPr>
@@ -7779,11 +7781,7 @@
                   </a:path>
                 </a:pathLst>
               </a:custGeom>
-              <a:solidFill>
-                <a:srgbClr val="FE026F">
-                  <a:alpha val="69804"/>
-                </a:srgbClr>
-              </a:solidFill>
+              <a:grpFill/>
               <a:ln>
                 <a:noFill/>
               </a:ln>
@@ -7997,11 +7995,7 @@
                   </a:path>
                 </a:pathLst>
               </a:custGeom>
-              <a:solidFill>
-                <a:srgbClr val="0189D3">
-                  <a:alpha val="58824"/>
-                </a:srgbClr>
-              </a:solidFill>
+              <a:grpFill/>
               <a:ln>
                 <a:noFill/>
               </a:ln>
